--- a/docs/Apresentação_Comprod.pptx
+++ b/docs/Apresentação_Comprod.pptx
@@ -13,9 +13,9 @@
     <p:sldId id="258" r:id="rId4"/>
     <p:sldId id="260" r:id="rId5"/>
     <p:sldId id="269" r:id="rId6"/>
-    <p:sldId id="312" r:id="rId7"/>
+    <p:sldId id="318" r:id="rId7"/>
     <p:sldId id="313" r:id="rId8"/>
-    <p:sldId id="316" r:id="rId9"/>
+    <p:sldId id="317" r:id="rId9"/>
     <p:sldId id="315" r:id="rId10"/>
     <p:sldId id="282" r:id="rId11"/>
   </p:sldIdLst>
@@ -256,6 +256,16 @@
     </p:ext>
   </p:extLst>
 </p:presentation>
+</file>
+
+<file path=ppt/revisionInfo.xml><?xml version="1.0" encoding="utf-8"?>
+<p1510:revInfo xmlns:a="http://schemas.openxmlformats.org/drawingml/2006/main" xmlns:r="http://schemas.openxmlformats.org/officeDocument/2006/relationships" xmlns:p1510="http://schemas.microsoft.com/office/powerpoint/2015/10/main">
+  <p1510:revLst>
+    <p1510:client id="{3993D6EB-836A-9448-5D4B-A7412612A8E5}" v="74" dt="2022-06-01T17:31:50.797"/>
+    <p1510:client id="{8767EABD-0738-55B7-B406-7D7F218E33F2}" v="91" dt="2022-06-01T17:55:41.917"/>
+    <p1510:client id="{F31FDB4B-3A1D-44AD-B0EB-B9BB83CEFD3F}" v="6" dt="2022-06-01T14:05:20.623"/>
+  </p1510:revLst>
+</p1510:revInfo>
 </file>
 
 <file path=ppt/notesMasters/notesMaster1.xml><?xml version="1.0" encoding="utf-8"?>
@@ -1120,7 +1130,7 @@
   <p:cSld>
     <p:spTree>
       <p:nvGrpSpPr>
-        <p:cNvPr id="1" name="Shape 572"/>
+        <p:cNvPr id="1" name="Shape 367"/>
         <p:cNvGrpSpPr/>
         <p:nvPr/>
       </p:nvGrpSpPr>
@@ -1134,7 +1144,7 @@
       </p:grpSpPr>
       <p:sp>
         <p:nvSpPr>
-          <p:cNvPr id="573" name="Google Shape;573;g10a7be6e973_0_426:notes"/>
+          <p:cNvPr id="368" name="Google Shape;368;g10a7be6e973_0_5:notes"/>
           <p:cNvSpPr>
             <a:spLocks noGrp="1" noRot="1" noChangeAspect="1"/>
           </p:cNvSpPr>
@@ -1175,7 +1185,7 @@
       </p:sp>
       <p:sp>
         <p:nvSpPr>
-          <p:cNvPr id="574" name="Google Shape;574;g10a7be6e973_0_426:notes"/>
+          <p:cNvPr id="369" name="Google Shape;369;g10a7be6e973_0_5:notes"/>
           <p:cNvSpPr txBox="1">
             <a:spLocks noGrp="1"/>
           </p:cNvSpPr>
@@ -1214,7 +1224,7 @@
     </p:spTree>
     <p:extLst>
       <p:ext uri="{BB962C8B-B14F-4D97-AF65-F5344CB8AC3E}">
-        <p14:creationId xmlns:p14="http://schemas.microsoft.com/office/powerpoint/2010/main" val="2810172912"/>
+        <p14:creationId xmlns:p14="http://schemas.microsoft.com/office/powerpoint/2010/main" val="2372912278"/>
       </p:ext>
     </p:extLst>
   </p:cSld>
@@ -1338,7 +1348,7 @@
   <p:cSld>
     <p:spTree>
       <p:nvGrpSpPr>
-        <p:cNvPr id="1" name="Shape 572"/>
+        <p:cNvPr id="1" name="Shape 367"/>
         <p:cNvGrpSpPr/>
         <p:nvPr/>
       </p:nvGrpSpPr>
@@ -1352,7 +1362,7 @@
       </p:grpSpPr>
       <p:sp>
         <p:nvSpPr>
-          <p:cNvPr id="573" name="Google Shape;573;g10a7be6e973_0_426:notes"/>
+          <p:cNvPr id="368" name="Google Shape;368;g10a7be6e973_0_5:notes"/>
           <p:cNvSpPr>
             <a:spLocks noGrp="1" noRot="1" noChangeAspect="1"/>
           </p:cNvSpPr>
@@ -1393,7 +1403,7 @@
       </p:sp>
       <p:sp>
         <p:nvSpPr>
-          <p:cNvPr id="574" name="Google Shape;574;g10a7be6e973_0_426:notes"/>
+          <p:cNvPr id="369" name="Google Shape;369;g10a7be6e973_0_5:notes"/>
           <p:cNvSpPr txBox="1">
             <a:spLocks noGrp="1"/>
           </p:cNvSpPr>
@@ -1432,7 +1442,7 @@
     </p:spTree>
     <p:extLst>
       <p:ext uri="{BB962C8B-B14F-4D97-AF65-F5344CB8AC3E}">
-        <p14:creationId xmlns:p14="http://schemas.microsoft.com/office/powerpoint/2010/main" val="94220378"/>
+        <p14:creationId xmlns:p14="http://schemas.microsoft.com/office/powerpoint/2010/main" val="2874012847"/>
       </p:ext>
     </p:extLst>
   </p:cSld>
@@ -22292,8 +22302,8 @@
         </p:nvSpPr>
         <p:spPr>
           <a:xfrm>
-            <a:off x="1216500" y="592377"/>
-            <a:ext cx="6711000" cy="3092931"/>
+            <a:off x="1281198" y="1746160"/>
+            <a:ext cx="6711000" cy="1874450"/>
           </a:xfrm>
           <a:prstGeom prst="roundRect">
             <a:avLst>
@@ -22392,7 +22402,7 @@
         </p:nvSpPr>
         <p:spPr>
           <a:xfrm>
-            <a:off x="1073700" y="779026"/>
+            <a:off x="1084483" y="2137686"/>
             <a:ext cx="6996600" cy="1094703"/>
           </a:xfrm>
           <a:prstGeom prst="rect">
@@ -22503,37 +22513,8 @@
         </p:blipFill>
         <p:spPr>
           <a:xfrm>
-            <a:off x="7554760" y="1"/>
-            <a:ext cx="1498929" cy="491836"/>
-          </a:xfrm>
-          <a:prstGeom prst="rect">
-            <a:avLst/>
-          </a:prstGeom>
-        </p:spPr>
-      </p:pic>
-      <p:pic>
-        <p:nvPicPr>
-          <p:cNvPr id="3" name="Imagem 2">
-            <a:extLst>
-              <a:ext uri="{FF2B5EF4-FFF2-40B4-BE49-F238E27FC236}">
-                <a16:creationId xmlns:a16="http://schemas.microsoft.com/office/drawing/2014/main" id="{11135F98-B4C5-D3DE-F7B1-C7F246793C97}"/>
-              </a:ext>
-            </a:extLst>
-          </p:cNvPr>
-          <p:cNvPicPr>
-            <a:picLocks noChangeAspect="1"/>
-          </p:cNvPicPr>
-          <p:nvPr/>
-        </p:nvPicPr>
-        <p:blipFill rotWithShape="1">
-          <a:blip r:embed="rId4"/>
-          <a:srcRect l="11835" r="2844"/>
-          <a:stretch/>
-        </p:blipFill>
-        <p:spPr>
-          <a:xfrm>
-            <a:off x="2961408" y="1873729"/>
-            <a:ext cx="3221183" cy="1698914"/>
+            <a:off x="5797128" y="1"/>
+            <a:ext cx="3256561" cy="1095685"/>
           </a:xfrm>
           <a:prstGeom prst="rect">
             <a:avLst/>
@@ -25383,7 +25364,7 @@
   <p:cSld>
     <p:spTree>
       <p:nvGrpSpPr>
-        <p:cNvPr id="1" name="Shape 575"/>
+        <p:cNvPr id="1" name="Shape 370"/>
         <p:cNvGrpSpPr/>
         <p:nvPr/>
       </p:nvGrpSpPr>
@@ -25397,14 +25378,14 @@
       </p:grpSpPr>
       <p:sp>
         <p:nvSpPr>
-          <p:cNvPr id="576" name="Google Shape;576;p49"/>
+          <p:cNvPr id="371" name="Google Shape;371;p41"/>
           <p:cNvSpPr/>
           <p:nvPr/>
         </p:nvSpPr>
         <p:spPr>
           <a:xfrm>
-            <a:off x="4752622" y="1072444"/>
-            <a:ext cx="4016811" cy="1772356"/>
+            <a:off x="1216500" y="925370"/>
+            <a:ext cx="6711000" cy="2513100"/>
           </a:xfrm>
           <a:prstGeom prst="roundRect">
             <a:avLst>
@@ -25445,18 +25426,18 @@
       </p:sp>
       <p:sp>
         <p:nvSpPr>
-          <p:cNvPr id="577" name="Google Shape;577;p49"/>
+          <p:cNvPr id="372" name="Google Shape;372;p41"/>
           <p:cNvSpPr/>
           <p:nvPr/>
         </p:nvSpPr>
         <p:spPr>
           <a:xfrm>
-            <a:off x="598310" y="169238"/>
-            <a:ext cx="3601157" cy="4797873"/>
+            <a:off x="1216500" y="3608530"/>
+            <a:ext cx="6711000" cy="609600"/>
           </a:xfrm>
           <a:prstGeom prst="roundRect">
             <a:avLst>
-              <a:gd name="adj" fmla="val 8278"/>
+              <a:gd name="adj" fmla="val 20280"/>
             </a:avLst>
           </a:prstGeom>
           <a:solidFill>
@@ -25493,7 +25474,7 @@
       </p:sp>
       <p:sp>
         <p:nvSpPr>
-          <p:cNvPr id="578" name="Google Shape;578;p49"/>
+          <p:cNvPr id="374" name="Google Shape;374;p41"/>
           <p:cNvSpPr txBox="1">
             <a:spLocks noGrp="1"/>
           </p:cNvSpPr>
@@ -25503,40 +25484,72 @@
         </p:nvSpPr>
         <p:spPr>
           <a:xfrm>
-            <a:off x="4752622" y="1556612"/>
-            <a:ext cx="4016811" cy="804020"/>
+            <a:off x="1518354" y="1787720"/>
+            <a:ext cx="6107289" cy="788400"/>
           </a:xfrm>
           <a:prstGeom prst="rect">
             <a:avLst/>
           </a:prstGeom>
         </p:spPr>
         <p:txBody>
-          <a:bodyPr spcFirstLastPara="1" wrap="square" lIns="91425" tIns="91425" rIns="91425" bIns="91425" anchor="t" anchorCtr="0">
+          <a:bodyPr spcFirstLastPara="1" wrap="square" lIns="91425" tIns="91425" rIns="91425" bIns="91425" anchor="ctr" anchorCtr="0">
             <a:noAutofit/>
           </a:bodyPr>
           <a:lstStyle/>
           <a:p>
-            <a:pPr marL="0" lvl="0" indent="0" algn="ctr" rtl="0">
-              <a:spcBef>
-                <a:spcPts val="0"/>
-              </a:spcBef>
-              <a:spcAft>
-                <a:spcPts val="0"/>
-              </a:spcAft>
-              <a:buNone/>
-            </a:pPr>
+            <a:pPr algn="ctr"/>
             <a:r>
               <a:rPr lang="en" dirty="0"/>
-              <a:t>Manual de instalação</a:t>
+              <a:t>MANUAL DE INSTALAÇÃO</a:t>
             </a:r>
-            <a:endParaRPr dirty="0"/>
+          </a:p>
+        </p:txBody>
+      </p:sp>
+      <p:sp>
+        <p:nvSpPr>
+          <p:cNvPr id="376" name="Google Shape;376;p41"/>
+          <p:cNvSpPr txBox="1">
+            <a:spLocks noGrp="1"/>
+          </p:cNvSpPr>
+          <p:nvPr>
+            <p:ph type="subTitle" idx="1"/>
+          </p:nvPr>
+        </p:nvSpPr>
+        <p:spPr>
+          <a:xfrm>
+            <a:off x="1216499" y="3695980"/>
+            <a:ext cx="6711000" cy="434700"/>
+          </a:xfrm>
+          <a:prstGeom prst="rect">
+            <a:avLst/>
+          </a:prstGeom>
+        </p:spPr>
+        <p:txBody>
+          <a:bodyPr spcFirstLastPara="1" wrap="square" lIns="91425" tIns="91425" rIns="91425" bIns="91425" anchor="ctr" anchorCtr="0">
+            <a:noAutofit/>
+          </a:bodyPr>
+          <a:lstStyle/>
+          <a:p>
+            <a:pPr marL="0" indent="0"/>
+            <a:r>
+              <a:rPr lang="pt-BR" dirty="0"/>
+              <a:t>Passo a passo para instalar e rodar o </a:t>
+            </a:r>
+            <a:r>
+              <a:rPr lang="pt-BR" dirty="0" err="1"/>
+              <a:t>arduino</a:t>
+            </a:r>
+            <a:r>
+              <a:rPr lang="pt-BR" dirty="0"/>
+              <a:t> no seu ambiente</a:t>
+            </a:r>
           </a:p>
         </p:txBody>
       </p:sp>
     </p:spTree>
     <p:extLst>
       <p:ext uri="{BB962C8B-B14F-4D97-AF65-F5344CB8AC3E}">
-        <p14:creationId xmlns:p14="http://schemas.microsoft.com/office/powerpoint/2010/main" val="3961583864"/>
+        <p14:creationId xmlns:p14="http://schemas.microsoft.com/office/powerpoint/2010/main" val="2810357251"/>
       </p:ext>
     </p:extLst>
   </p:cSld>
@@ -25752,7 +25765,7 @@
   <p:cSld>
     <p:spTree>
       <p:nvGrpSpPr>
-        <p:cNvPr id="1" name="Shape 575"/>
+        <p:cNvPr id="1" name="Shape 370"/>
         <p:cNvGrpSpPr/>
         <p:nvPr/>
       </p:nvGrpSpPr>
@@ -25766,14 +25779,14 @@
       </p:grpSpPr>
       <p:sp>
         <p:nvSpPr>
-          <p:cNvPr id="576" name="Google Shape;576;p49"/>
+          <p:cNvPr id="371" name="Google Shape;371;p41"/>
           <p:cNvSpPr/>
           <p:nvPr/>
         </p:nvSpPr>
         <p:spPr>
           <a:xfrm>
-            <a:off x="4752622" y="1072444"/>
-            <a:ext cx="4016811" cy="1772356"/>
+            <a:off x="1216500" y="925370"/>
+            <a:ext cx="6711000" cy="2513100"/>
           </a:xfrm>
           <a:prstGeom prst="roundRect">
             <a:avLst>
@@ -25814,18 +25827,18 @@
       </p:sp>
       <p:sp>
         <p:nvSpPr>
-          <p:cNvPr id="577" name="Google Shape;577;p49"/>
+          <p:cNvPr id="372" name="Google Shape;372;p41"/>
           <p:cNvSpPr/>
           <p:nvPr/>
         </p:nvSpPr>
         <p:spPr>
           <a:xfrm>
-            <a:off x="598310" y="169238"/>
-            <a:ext cx="3601157" cy="4797873"/>
+            <a:off x="1216500" y="3608530"/>
+            <a:ext cx="6711000" cy="609600"/>
           </a:xfrm>
           <a:prstGeom prst="roundRect">
             <a:avLst>
-              <a:gd name="adj" fmla="val 8278"/>
+              <a:gd name="adj" fmla="val 20280"/>
             </a:avLst>
           </a:prstGeom>
           <a:solidFill>
@@ -25862,7 +25875,7 @@
       </p:sp>
       <p:sp>
         <p:nvSpPr>
-          <p:cNvPr id="578" name="Google Shape;578;p49"/>
+          <p:cNvPr id="374" name="Google Shape;374;p41"/>
           <p:cNvSpPr txBox="1">
             <a:spLocks noGrp="1"/>
           </p:cNvSpPr>
@@ -25872,40 +25885,64 @@
         </p:nvSpPr>
         <p:spPr>
           <a:xfrm>
-            <a:off x="4752622" y="1556612"/>
-            <a:ext cx="4016811" cy="804020"/>
+            <a:off x="1518354" y="1787720"/>
+            <a:ext cx="6107289" cy="788400"/>
           </a:xfrm>
           <a:prstGeom prst="rect">
             <a:avLst/>
           </a:prstGeom>
         </p:spPr>
         <p:txBody>
-          <a:bodyPr spcFirstLastPara="1" wrap="square" lIns="91425" tIns="91425" rIns="91425" bIns="91425" anchor="t" anchorCtr="0">
+          <a:bodyPr spcFirstLastPara="1" wrap="square" lIns="91425" tIns="91425" rIns="91425" bIns="91425" anchor="ctr" anchorCtr="0">
             <a:noAutofit/>
           </a:bodyPr>
           <a:lstStyle/>
           <a:p>
-            <a:pPr marL="0" lvl="0" indent="0" algn="ctr" rtl="0">
-              <a:spcBef>
-                <a:spcPts val="0"/>
-              </a:spcBef>
-              <a:spcAft>
-                <a:spcPts val="0"/>
-              </a:spcAft>
-              <a:buNone/>
-            </a:pPr>
+            <a:pPr algn="ctr"/>
             <a:r>
               <a:rPr lang="en" dirty="0"/>
-              <a:t>Help Desk</a:t>
+              <a:t>HELPDESK </a:t>
             </a:r>
-            <a:endParaRPr dirty="0"/>
+          </a:p>
+        </p:txBody>
+      </p:sp>
+      <p:sp>
+        <p:nvSpPr>
+          <p:cNvPr id="376" name="Google Shape;376;p41"/>
+          <p:cNvSpPr txBox="1">
+            <a:spLocks noGrp="1"/>
+          </p:cNvSpPr>
+          <p:nvPr>
+            <p:ph type="subTitle" idx="1"/>
+          </p:nvPr>
+        </p:nvSpPr>
+        <p:spPr>
+          <a:xfrm>
+            <a:off x="1227282" y="3695980"/>
+            <a:ext cx="6711000" cy="434700"/>
+          </a:xfrm>
+          <a:prstGeom prst="rect">
+            <a:avLst/>
+          </a:prstGeom>
+        </p:spPr>
+        <p:txBody>
+          <a:bodyPr spcFirstLastPara="1" wrap="square" lIns="91425" tIns="91425" rIns="91425" bIns="91425" anchor="ctr" anchorCtr="0">
+            <a:noAutofit/>
+          </a:bodyPr>
+          <a:lstStyle/>
+          <a:p>
+            <a:pPr marL="0" indent="0"/>
+            <a:r>
+              <a:rPr lang="pt-BR" dirty="0"/>
+              <a:t>Passo a Passo de como funciona e qual Ferramenta que escolhemos</a:t>
+            </a:r>
           </a:p>
         </p:txBody>
       </p:sp>
     </p:spTree>
     <p:extLst>
       <p:ext uri="{BB962C8B-B14F-4D97-AF65-F5344CB8AC3E}">
-        <p14:creationId xmlns:p14="http://schemas.microsoft.com/office/powerpoint/2010/main" val="1162234351"/>
+        <p14:creationId xmlns:p14="http://schemas.microsoft.com/office/powerpoint/2010/main" val="478855835"/>
       </p:ext>
     </p:extLst>
   </p:cSld>
